--- a/Lichtfelddisplay_JH2.pptx
+++ b/Lichtfelddisplay_JH2.pptx
@@ -3557,27 +3557,29 @@
       </p:sp>
       <p:pic>
         <p:nvPicPr>
-          <p:cNvPr id="7171" name="Picture 3" descr="C:\Users\Ruth\Desktop\IMG-20151017-WA0004.jpg"/>
+          <p:cNvPr id="1027" name="Picture 3" descr="G:\img\Produktion_LinsenSetzen2.jpg"/>
           <p:cNvPicPr>
             <a:picLocks noChangeAspect="1" noChangeArrowheads="1"/>
           </p:cNvPicPr>
           <p:nvPr/>
         </p:nvPicPr>
-        <p:blipFill rotWithShape="1">
-          <a:blip r:embed="rId3">
+        <p:blipFill>
+          <a:blip r:embed="rId3" cstate="print">
             <a:extLst>
               <a:ext uri="{28A0092B-C50C-407E-A947-70E740481C1C}">
                 <a14:useLocalDpi xmlns:a14="http://schemas.microsoft.com/office/drawing/2010/main" val="0"/>
               </a:ext>
             </a:extLst>
           </a:blip>
-          <a:srcRect l="11030" t="19504" r="12368" b="12659"/>
-          <a:stretch/>
+          <a:srcRect/>
+          <a:stretch>
+            <a:fillRect/>
+          </a:stretch>
         </p:blipFill>
         <p:spPr bwMode="auto">
-          <a:xfrm rot="5400000" flipH="1">
-            <a:off x="2857892" y="2843657"/>
-            <a:ext cx="3289005" cy="3883627"/>
+          <a:xfrm>
+            <a:off x="1835696" y="3212976"/>
+            <a:ext cx="5588672" cy="3143628"/>
           </a:xfrm>
           <a:prstGeom prst="rect">
             <a:avLst/>
